--- a/sassppt.pptx
+++ b/sassppt.pptx
@@ -3091,7 +3091,7 @@
                 <a14:useLocalDpi xmlns:a14="http://schemas.microsoft.com/office/drawing/2010/main" val="0"/>
               </a:ext>
               <a:ext uri="{96DAC541-7B7A-43D3-8B79-37D633B846F1}">
-                <asvg:svgBlip xmlns:asvg="http://schemas.microsoft.com/office/drawing/2016/SVG/main" xmlns="" r:embed="rId3"/>
+                <asvg:svgBlip xmlns="" xmlns:asvg="http://schemas.microsoft.com/office/drawing/2016/SVG/main" r:embed="rId3"/>
               </a:ext>
             </a:extLst>
           </a:blip>
@@ -3125,7 +3125,7 @@
                 <a14:useLocalDpi xmlns:a14="http://schemas.microsoft.com/office/drawing/2010/main" val="0"/>
               </a:ext>
               <a:ext uri="{96DAC541-7B7A-43D3-8B79-37D633B846F1}">
-                <asvg:svgBlip xmlns:asvg="http://schemas.microsoft.com/office/drawing/2016/SVG/main" xmlns="" r:embed="rId9"/>
+                <asvg:svgBlip xmlns="" xmlns:asvg="http://schemas.microsoft.com/office/drawing/2016/SVG/main" r:embed="rId9"/>
               </a:ext>
             </a:extLst>
           </a:blip>
@@ -3159,7 +3159,7 @@
                 <a14:useLocalDpi xmlns:a14="http://schemas.microsoft.com/office/drawing/2010/main" val="0"/>
               </a:ext>
               <a:ext uri="{96DAC541-7B7A-43D3-8B79-37D633B846F1}">
-                <asvg:svgBlip xmlns:asvg="http://schemas.microsoft.com/office/drawing/2016/SVG/main" xmlns="" r:embed="rId11"/>
+                <asvg:svgBlip xmlns="" xmlns:asvg="http://schemas.microsoft.com/office/drawing/2016/SVG/main" r:embed="rId11"/>
               </a:ext>
             </a:extLst>
           </a:blip>
@@ -3187,7 +3187,7 @@
         <p:spPr>
           <a:xfrm>
             <a:off x="3220339" y="3584673"/>
-            <a:ext cx="11847321" cy="2606355"/>
+            <a:ext cx="11847321" cy="1239827"/>
           </a:xfrm>
           <a:prstGeom prst="rect">
             <a:avLst/>
@@ -3205,38 +3205,24 @@
               </a:lnSpc>
             </a:pPr>
             <a:r>
-              <a:rPr lang="zh-TW" altLang="en-US" sz="8000" dirty="0">
+              <a:rPr lang="en-US" altLang="zh-TW" sz="8000" dirty="0" smtClean="0">
                 <a:solidFill>
                   <a:srgbClr val="25364E"/>
                 </a:solidFill>
                 <a:latin typeface="07TetsubinGothic" panose="02000900000000000000" pitchFamily="50" charset="-128"/>
                 <a:ea typeface="07TetsubinGothic" panose="02000900000000000000" pitchFamily="50" charset="-128"/>
               </a:rPr>
-              <a:t>前端工程師必學的</a:t>
-            </a:r>
-            <a:endParaRPr lang="en-US" altLang="zh-TW" sz="8000" dirty="0">
-              <a:solidFill>
-                <a:srgbClr val="25364E"/>
-              </a:solidFill>
-              <a:latin typeface="07TetsubinGothic" panose="02000900000000000000" pitchFamily="50" charset="-128"/>
-              <a:ea typeface="07TetsubinGothic" panose="02000900000000000000" pitchFamily="50" charset="-128"/>
-            </a:endParaRPr>
-          </a:p>
-          <a:p>
-            <a:pPr algn="ctr">
-              <a:lnSpc>
-                <a:spcPts val="10400"/>
-              </a:lnSpc>
-            </a:pPr>
-            <a:r>
-              <a:rPr lang="en-US" altLang="zh-TW" sz="8000" dirty="0">
+              <a:t>SASS</a:t>
+            </a:r>
+            <a:r>
+              <a:rPr lang="zh-TW" altLang="en-US" sz="8000" dirty="0" smtClean="0">
                 <a:solidFill>
                   <a:srgbClr val="25364E"/>
                 </a:solidFill>
                 <a:latin typeface="07TetsubinGothic" panose="02000900000000000000" pitchFamily="50" charset="-128"/>
                 <a:ea typeface="07TetsubinGothic" panose="02000900000000000000" pitchFamily="50" charset="-128"/>
               </a:rPr>
-              <a:t>SASS</a:t>
+              <a:t>超好玩</a:t>
             </a:r>
             <a:endParaRPr lang="en-US" sz="8000" dirty="0">
               <a:solidFill>
@@ -3374,7 +3360,7 @@
                 <a14:useLocalDpi xmlns:a14="http://schemas.microsoft.com/office/drawing/2010/main" val="0"/>
               </a:ext>
               <a:ext uri="{96DAC541-7B7A-43D3-8B79-37D633B846F1}">
-                <asvg:svgBlip xmlns:asvg="http://schemas.microsoft.com/office/drawing/2016/SVG/main" xmlns="" r:embed="rId13"/>
+                <asvg:svgBlip xmlns="" xmlns:asvg="http://schemas.microsoft.com/office/drawing/2016/SVG/main" r:embed="rId13"/>
               </a:ext>
             </a:extLst>
           </a:blip>
@@ -3408,7 +3394,7 @@
                 <a14:useLocalDpi xmlns:a14="http://schemas.microsoft.com/office/drawing/2010/main" val="0"/>
               </a:ext>
               <a:ext uri="{96DAC541-7B7A-43D3-8B79-37D633B846F1}">
-                <asvg:svgBlip xmlns:asvg="http://schemas.microsoft.com/office/drawing/2016/SVG/main" xmlns="" r:embed="rId13"/>
+                <asvg:svgBlip xmlns="" xmlns:asvg="http://schemas.microsoft.com/office/drawing/2016/SVG/main" r:embed="rId13"/>
               </a:ext>
             </a:extLst>
           </a:blip>
@@ -3432,7 +3418,7 @@
           <p:cNvPr id="15" name="圖片 14">
             <a:extLst>
               <a:ext uri="{FF2B5EF4-FFF2-40B4-BE49-F238E27FC236}">
-                <a16:creationId xmlns:a16="http://schemas.microsoft.com/office/drawing/2014/main" xmlns="" id="{5EAABAFB-88B8-4AF6-BF7A-F3A5F0DB8382}"/>
+                <a16:creationId xmlns="" xmlns:a16="http://schemas.microsoft.com/office/drawing/2014/main" id="{5EAABAFB-88B8-4AF6-BF7A-F3A5F0DB8382}"/>
               </a:ext>
             </a:extLst>
           </p:cNvPr>
@@ -3497,7 +3483,7 @@
                 <a14:useLocalDpi xmlns:a14="http://schemas.microsoft.com/office/drawing/2010/main" val="0"/>
               </a:ext>
               <a:ext uri="{96DAC541-7B7A-43D3-8B79-37D633B846F1}">
-                <asvg:svgBlip xmlns:asvg="http://schemas.microsoft.com/office/drawing/2016/SVG/main" xmlns="" r:embed="rId5"/>
+                <asvg:svgBlip xmlns="" xmlns:asvg="http://schemas.microsoft.com/office/drawing/2016/SVG/main" r:embed="rId5"/>
               </a:ext>
             </a:extLst>
           </a:blip>
@@ -3531,7 +3517,7 @@
                 <a14:useLocalDpi xmlns:a14="http://schemas.microsoft.com/office/drawing/2010/main" val="0"/>
               </a:ext>
               <a:ext uri="{96DAC541-7B7A-43D3-8B79-37D633B846F1}">
-                <asvg:svgBlip xmlns:asvg="http://schemas.microsoft.com/office/drawing/2016/SVG/main" xmlns="" r:embed="rId7"/>
+                <asvg:svgBlip xmlns="" xmlns:asvg="http://schemas.microsoft.com/office/drawing/2016/SVG/main" r:embed="rId7"/>
               </a:ext>
             </a:extLst>
           </a:blip>
@@ -3555,7 +3541,7 @@
           <p:cNvPr id="11" name="標題 1">
             <a:extLst>
               <a:ext uri="{FF2B5EF4-FFF2-40B4-BE49-F238E27FC236}">
-                <a16:creationId xmlns:a16="http://schemas.microsoft.com/office/drawing/2014/main" xmlns="" id="{CAA7D5A8-95E9-4FEF-AB11-E570985B6243}"/>
+                <a16:creationId xmlns="" xmlns:a16="http://schemas.microsoft.com/office/drawing/2014/main" id="{CAA7D5A8-95E9-4FEF-AB11-E570985B6243}"/>
               </a:ext>
             </a:extLst>
           </p:cNvPr>
@@ -3648,7 +3634,7 @@
           <p:cNvPr id="12" name="圖片 11">
             <a:extLst>
               <a:ext uri="{FF2B5EF4-FFF2-40B4-BE49-F238E27FC236}">
-                <a16:creationId xmlns:a16="http://schemas.microsoft.com/office/drawing/2014/main" xmlns="" id="{E5A917CB-E429-4D89-AE21-10E6BEA49A25}"/>
+                <a16:creationId xmlns="" xmlns:a16="http://schemas.microsoft.com/office/drawing/2014/main" id="{E5A917CB-E429-4D89-AE21-10E6BEA49A25}"/>
               </a:ext>
             </a:extLst>
           </p:cNvPr>
@@ -3678,7 +3664,7 @@
           <p:cNvPr id="13" name="文字方塊 12">
             <a:extLst>
               <a:ext uri="{FF2B5EF4-FFF2-40B4-BE49-F238E27FC236}">
-                <a16:creationId xmlns:a16="http://schemas.microsoft.com/office/drawing/2014/main" xmlns="" id="{BA5F27C0-A710-4BD5-B5B7-518EC777C6FC}"/>
+                <a16:creationId xmlns="" xmlns:a16="http://schemas.microsoft.com/office/drawing/2014/main" id="{BA5F27C0-A710-4BD5-B5B7-518EC777C6FC}"/>
               </a:ext>
             </a:extLst>
           </p:cNvPr>
@@ -3804,7 +3790,7 @@
                 <a14:useLocalDpi xmlns:a14="http://schemas.microsoft.com/office/drawing/2010/main" val="0"/>
               </a:ext>
               <a:ext uri="{96DAC541-7B7A-43D3-8B79-37D633B846F1}">
-                <asvg:svgBlip xmlns:asvg="http://schemas.microsoft.com/office/drawing/2016/SVG/main" xmlns="" r:embed="rId3"/>
+                <asvg:svgBlip xmlns="" xmlns:asvg="http://schemas.microsoft.com/office/drawing/2016/SVG/main" r:embed="rId3"/>
               </a:ext>
             </a:extLst>
           </a:blip>
@@ -3828,7 +3814,7 @@
           <p:cNvPr id="24" name="Picture 4">
             <a:extLst>
               <a:ext uri="{FF2B5EF4-FFF2-40B4-BE49-F238E27FC236}">
-                <a16:creationId xmlns:a16="http://schemas.microsoft.com/office/drawing/2014/main" xmlns="" id="{1CF0974B-A5BF-4486-AEC6-C49FE6A18708}"/>
+                <a16:creationId xmlns="" xmlns:a16="http://schemas.microsoft.com/office/drawing/2014/main" id="{1CF0974B-A5BF-4486-AEC6-C49FE6A18708}"/>
               </a:ext>
             </a:extLst>
           </p:cNvPr>
@@ -3844,7 +3830,7 @@
                 <a14:useLocalDpi xmlns:a14="http://schemas.microsoft.com/office/drawing/2010/main" val="0"/>
               </a:ext>
               <a:ext uri="{96DAC541-7B7A-43D3-8B79-37D633B846F1}">
-                <asvg:svgBlip xmlns:asvg="http://schemas.microsoft.com/office/drawing/2016/SVG/main" xmlns="" r:embed="rId9"/>
+                <asvg:svgBlip xmlns="" xmlns:asvg="http://schemas.microsoft.com/office/drawing/2016/SVG/main" r:embed="rId9"/>
               </a:ext>
             </a:extLst>
           </a:blip>
@@ -3868,7 +3854,7 @@
           <p:cNvPr id="25" name="標題 1">
             <a:extLst>
               <a:ext uri="{FF2B5EF4-FFF2-40B4-BE49-F238E27FC236}">
-                <a16:creationId xmlns:a16="http://schemas.microsoft.com/office/drawing/2014/main" xmlns="" id="{401DF6A4-3C91-4134-9253-1509F16A6F09}"/>
+                <a16:creationId xmlns="" xmlns:a16="http://schemas.microsoft.com/office/drawing/2014/main" id="{401DF6A4-3C91-4134-9253-1509F16A6F09}"/>
               </a:ext>
             </a:extLst>
           </p:cNvPr>
@@ -3925,7 +3911,7 @@
           <p:cNvPr id="26" name="圖片 25">
             <a:extLst>
               <a:ext uri="{FF2B5EF4-FFF2-40B4-BE49-F238E27FC236}">
-                <a16:creationId xmlns:a16="http://schemas.microsoft.com/office/drawing/2014/main" xmlns="" id="{C709F1FC-9992-4C5E-A9EB-99F70F57C598}"/>
+                <a16:creationId xmlns="" xmlns:a16="http://schemas.microsoft.com/office/drawing/2014/main" id="{C709F1FC-9992-4C5E-A9EB-99F70F57C598}"/>
               </a:ext>
             </a:extLst>
           </p:cNvPr>
@@ -3990,7 +3976,7 @@
                 <a14:useLocalDpi xmlns:a14="http://schemas.microsoft.com/office/drawing/2010/main" val="0"/>
               </a:ext>
               <a:ext uri="{96DAC541-7B7A-43D3-8B79-37D633B846F1}">
-                <asvg:svgBlip xmlns:asvg="http://schemas.microsoft.com/office/drawing/2016/SVG/main" xmlns="" r:embed="rId3"/>
+                <asvg:svgBlip xmlns="" xmlns:asvg="http://schemas.microsoft.com/office/drawing/2016/SVG/main" r:embed="rId3"/>
               </a:ext>
             </a:extLst>
           </a:blip>
@@ -4024,7 +4010,7 @@
                 <a14:useLocalDpi xmlns:a14="http://schemas.microsoft.com/office/drawing/2010/main" val="0"/>
               </a:ext>
               <a:ext uri="{96DAC541-7B7A-43D3-8B79-37D633B846F1}">
-                <asvg:svgBlip xmlns:asvg="http://schemas.microsoft.com/office/drawing/2016/SVG/main" xmlns="" r:embed="rId7"/>
+                <asvg:svgBlip xmlns="" xmlns:asvg="http://schemas.microsoft.com/office/drawing/2016/SVG/main" r:embed="rId7"/>
               </a:ext>
             </a:extLst>
           </a:blip>
@@ -4058,7 +4044,7 @@
                 <a14:useLocalDpi xmlns:a14="http://schemas.microsoft.com/office/drawing/2010/main" val="0"/>
               </a:ext>
               <a:ext uri="{96DAC541-7B7A-43D3-8B79-37D633B846F1}">
-                <asvg:svgBlip xmlns:asvg="http://schemas.microsoft.com/office/drawing/2016/SVG/main" xmlns="" r:embed="rId9"/>
+                <asvg:svgBlip xmlns="" xmlns:asvg="http://schemas.microsoft.com/office/drawing/2016/SVG/main" r:embed="rId9"/>
               </a:ext>
             </a:extLst>
           </a:blip>
@@ -4082,7 +4068,7 @@
           <p:cNvPr id="13" name="標題 1">
             <a:extLst>
               <a:ext uri="{FF2B5EF4-FFF2-40B4-BE49-F238E27FC236}">
-                <a16:creationId xmlns:a16="http://schemas.microsoft.com/office/drawing/2014/main" xmlns="" id="{BFDB77C4-E585-43E1-BD84-F1F499C93D69}"/>
+                <a16:creationId xmlns="" xmlns:a16="http://schemas.microsoft.com/office/drawing/2014/main" id="{BFDB77C4-E585-43E1-BD84-F1F499C93D69}"/>
               </a:ext>
             </a:extLst>
           </p:cNvPr>
@@ -4160,7 +4146,7 @@
           <p:cNvPr id="15" name="文字方塊 14">
             <a:extLst>
               <a:ext uri="{FF2B5EF4-FFF2-40B4-BE49-F238E27FC236}">
-                <a16:creationId xmlns:a16="http://schemas.microsoft.com/office/drawing/2014/main" xmlns="" id="{45F12E38-B432-4504-BB93-0A73EF5A58CC}"/>
+                <a16:creationId xmlns="" xmlns:a16="http://schemas.microsoft.com/office/drawing/2014/main" id="{45F12E38-B432-4504-BB93-0A73EF5A58CC}"/>
               </a:ext>
             </a:extLst>
           </p:cNvPr>
@@ -4339,7 +4325,7 @@
           <p:cNvPr id="15" name="標題 1">
             <a:extLst>
               <a:ext uri="{FF2B5EF4-FFF2-40B4-BE49-F238E27FC236}">
-                <a16:creationId xmlns:a16="http://schemas.microsoft.com/office/drawing/2014/main" xmlns="" id="{7EDBB464-5056-4B96-ABC8-B1FA3D3B8EF9}"/>
+                <a16:creationId xmlns="" xmlns:a16="http://schemas.microsoft.com/office/drawing/2014/main" id="{7EDBB464-5056-4B96-ABC8-B1FA3D3B8EF9}"/>
               </a:ext>
             </a:extLst>
           </p:cNvPr>
@@ -4405,7 +4391,7 @@
           <p:cNvPr id="17" name="文字方塊 16">
             <a:extLst>
               <a:ext uri="{FF2B5EF4-FFF2-40B4-BE49-F238E27FC236}">
-                <a16:creationId xmlns:a16="http://schemas.microsoft.com/office/drawing/2014/main" xmlns="" id="{403FF730-B991-4B91-B579-37E90044F9F5}"/>
+                <a16:creationId xmlns="" xmlns:a16="http://schemas.microsoft.com/office/drawing/2014/main" id="{403FF730-B991-4B91-B579-37E90044F9F5}"/>
               </a:ext>
             </a:extLst>
           </p:cNvPr>
@@ -4662,7 +4648,7 @@
                 <a14:useLocalDpi xmlns:a14="http://schemas.microsoft.com/office/drawing/2010/main" val="0"/>
               </a:ext>
               <a:ext uri="{96DAC541-7B7A-43D3-8B79-37D633B846F1}">
-                <asvg:svgBlip xmlns:asvg="http://schemas.microsoft.com/office/drawing/2016/SVG/main" xmlns="" r:embed="rId5"/>
+                <asvg:svgBlip xmlns="" xmlns:asvg="http://schemas.microsoft.com/office/drawing/2016/SVG/main" r:embed="rId5"/>
               </a:ext>
             </a:extLst>
           </a:blip>
@@ -4696,7 +4682,7 @@
                 <a14:useLocalDpi xmlns:a14="http://schemas.microsoft.com/office/drawing/2010/main" val="0"/>
               </a:ext>
               <a:ext uri="{96DAC541-7B7A-43D3-8B79-37D633B846F1}">
-                <asvg:svgBlip xmlns:asvg="http://schemas.microsoft.com/office/drawing/2016/SVG/main" xmlns="" r:embed="rId9"/>
+                <asvg:svgBlip xmlns="" xmlns:asvg="http://schemas.microsoft.com/office/drawing/2016/SVG/main" r:embed="rId9"/>
               </a:ext>
             </a:extLst>
           </a:blip>
@@ -4720,7 +4706,7 @@
           <p:cNvPr id="23" name="標題 1">
             <a:extLst>
               <a:ext uri="{FF2B5EF4-FFF2-40B4-BE49-F238E27FC236}">
-                <a16:creationId xmlns:a16="http://schemas.microsoft.com/office/drawing/2014/main" xmlns="" id="{B2E31767-C679-41C9-ADB0-145B83B9315B}"/>
+                <a16:creationId xmlns="" xmlns:a16="http://schemas.microsoft.com/office/drawing/2014/main" id="{B2E31767-C679-41C9-ADB0-145B83B9315B}"/>
               </a:ext>
             </a:extLst>
           </p:cNvPr>
@@ -4789,7 +4775,7 @@
           <p:cNvPr id="25" name="文字方塊 24">
             <a:extLst>
               <a:ext uri="{FF2B5EF4-FFF2-40B4-BE49-F238E27FC236}">
-                <a16:creationId xmlns:a16="http://schemas.microsoft.com/office/drawing/2014/main" xmlns="" id="{13ED7F02-E398-4FEE-98BE-62A2C4516339}"/>
+                <a16:creationId xmlns="" xmlns:a16="http://schemas.microsoft.com/office/drawing/2014/main" id="{13ED7F02-E398-4FEE-98BE-62A2C4516339}"/>
               </a:ext>
             </a:extLst>
           </p:cNvPr>
@@ -5083,7 +5069,7 @@
                 <a14:useLocalDpi xmlns:a14="http://schemas.microsoft.com/office/drawing/2010/main" val="0"/>
               </a:ext>
               <a:ext uri="{96DAC541-7B7A-43D3-8B79-37D633B846F1}">
-                <asvg:svgBlip xmlns:asvg="http://schemas.microsoft.com/office/drawing/2016/SVG/main" xmlns="" r:embed="rId3"/>
+                <asvg:svgBlip xmlns="" xmlns:asvg="http://schemas.microsoft.com/office/drawing/2016/SVG/main" r:embed="rId3"/>
               </a:ext>
             </a:extLst>
           </a:blip>
@@ -5117,7 +5103,7 @@
                 <a14:useLocalDpi xmlns:a14="http://schemas.microsoft.com/office/drawing/2010/main" val="0"/>
               </a:ext>
               <a:ext uri="{96DAC541-7B7A-43D3-8B79-37D633B846F1}">
-                <asvg:svgBlip xmlns:asvg="http://schemas.microsoft.com/office/drawing/2016/SVG/main" xmlns="" r:embed="rId5"/>
+                <asvg:svgBlip xmlns="" xmlns:asvg="http://schemas.microsoft.com/office/drawing/2016/SVG/main" r:embed="rId5"/>
               </a:ext>
             </a:extLst>
           </a:blip>
@@ -5151,7 +5137,7 @@
                 <a14:useLocalDpi xmlns:a14="http://schemas.microsoft.com/office/drawing/2010/main" val="0"/>
               </a:ext>
               <a:ext uri="{96DAC541-7B7A-43D3-8B79-37D633B846F1}">
-                <asvg:svgBlip xmlns:asvg="http://schemas.microsoft.com/office/drawing/2016/SVG/main" xmlns="" r:embed="rId7"/>
+                <asvg:svgBlip xmlns="" xmlns:asvg="http://schemas.microsoft.com/office/drawing/2016/SVG/main" r:embed="rId7"/>
               </a:ext>
             </a:extLst>
           </a:blip>
@@ -5185,7 +5171,7 @@
                 <a14:useLocalDpi xmlns:a14="http://schemas.microsoft.com/office/drawing/2010/main" val="0"/>
               </a:ext>
               <a:ext uri="{96DAC541-7B7A-43D3-8B79-37D633B846F1}">
-                <asvg:svgBlip xmlns:asvg="http://schemas.microsoft.com/office/drawing/2016/SVG/main" xmlns="" r:embed="rId9"/>
+                <asvg:svgBlip xmlns="" xmlns:asvg="http://schemas.microsoft.com/office/drawing/2016/SVG/main" r:embed="rId9"/>
               </a:ext>
             </a:extLst>
           </a:blip>
@@ -5209,7 +5195,7 @@
           <p:cNvPr id="26" name="標題 1">
             <a:extLst>
               <a:ext uri="{FF2B5EF4-FFF2-40B4-BE49-F238E27FC236}">
-                <a16:creationId xmlns:a16="http://schemas.microsoft.com/office/drawing/2014/main" xmlns="" id="{A33F3AE5-CB04-4861-9AE1-238709395B0B}"/>
+                <a16:creationId xmlns="" xmlns:a16="http://schemas.microsoft.com/office/drawing/2014/main" id="{A33F3AE5-CB04-4861-9AE1-238709395B0B}"/>
               </a:ext>
             </a:extLst>
           </p:cNvPr>
@@ -5266,7 +5252,7 @@
           <p:cNvPr id="27" name="圖片 26">
             <a:extLst>
               <a:ext uri="{FF2B5EF4-FFF2-40B4-BE49-F238E27FC236}">
-                <a16:creationId xmlns:a16="http://schemas.microsoft.com/office/drawing/2014/main" xmlns="" id="{C0EEC138-9E5B-442D-BB64-1BF41FD2B733}"/>
+                <a16:creationId xmlns="" xmlns:a16="http://schemas.microsoft.com/office/drawing/2014/main" id="{C0EEC138-9E5B-442D-BB64-1BF41FD2B733}"/>
               </a:ext>
             </a:extLst>
           </p:cNvPr>
@@ -5321,7 +5307,7 @@
           <p:cNvPr id="38" name="標題 1">
             <a:extLst>
               <a:ext uri="{FF2B5EF4-FFF2-40B4-BE49-F238E27FC236}">
-                <a16:creationId xmlns:a16="http://schemas.microsoft.com/office/drawing/2014/main" xmlns="" id="{DD4DCDCE-B535-4571-B227-335E765987D0}"/>
+                <a16:creationId xmlns="" xmlns:a16="http://schemas.microsoft.com/office/drawing/2014/main" id="{DD4DCDCE-B535-4571-B227-335E765987D0}"/>
               </a:ext>
             </a:extLst>
           </p:cNvPr>
@@ -5390,7 +5376,7 @@
           <p:cNvPr id="40" name="文字方塊 39">
             <a:extLst>
               <a:ext uri="{FF2B5EF4-FFF2-40B4-BE49-F238E27FC236}">
-                <a16:creationId xmlns:a16="http://schemas.microsoft.com/office/drawing/2014/main" xmlns="" id="{AA54A293-F975-4B07-82EC-C903EE9E4356}"/>
+                <a16:creationId xmlns="" xmlns:a16="http://schemas.microsoft.com/office/drawing/2014/main" id="{AA54A293-F975-4B07-82EC-C903EE9E4356}"/>
               </a:ext>
             </a:extLst>
           </p:cNvPr>
@@ -5687,7 +5673,7 @@
           <p:cNvPr id="19" name="Picture 3">
             <a:extLst>
               <a:ext uri="{FF2B5EF4-FFF2-40B4-BE49-F238E27FC236}">
-                <a16:creationId xmlns:a16="http://schemas.microsoft.com/office/drawing/2014/main" xmlns="" id="{731FB392-EA59-4D15-81BB-C9B947BDB5E0}"/>
+                <a16:creationId xmlns="" xmlns:a16="http://schemas.microsoft.com/office/drawing/2014/main" id="{731FB392-EA59-4D15-81BB-C9B947BDB5E0}"/>
               </a:ext>
             </a:extLst>
           </p:cNvPr>
@@ -5703,7 +5689,7 @@
                 <a14:useLocalDpi xmlns:a14="http://schemas.microsoft.com/office/drawing/2010/main" val="0"/>
               </a:ext>
               <a:ext uri="{96DAC541-7B7A-43D3-8B79-37D633B846F1}">
-                <asvg:svgBlip xmlns:asvg="http://schemas.microsoft.com/office/drawing/2016/SVG/main" xmlns="" r:embed="rId3"/>
+                <asvg:svgBlip xmlns="" xmlns:asvg="http://schemas.microsoft.com/office/drawing/2016/SVG/main" r:embed="rId3"/>
               </a:ext>
             </a:extLst>
           </a:blip>
@@ -5737,7 +5723,7 @@
                 <a14:useLocalDpi xmlns:a14="http://schemas.microsoft.com/office/drawing/2010/main" val="0"/>
               </a:ext>
               <a:ext uri="{96DAC541-7B7A-43D3-8B79-37D633B846F1}">
-                <asvg:svgBlip xmlns:asvg="http://schemas.microsoft.com/office/drawing/2016/SVG/main" xmlns="" r:embed="rId9"/>
+                <asvg:svgBlip xmlns="" xmlns:asvg="http://schemas.microsoft.com/office/drawing/2016/SVG/main" r:embed="rId9"/>
               </a:ext>
             </a:extLst>
           </a:blip>
@@ -5771,7 +5757,7 @@
                 <a14:useLocalDpi xmlns:a14="http://schemas.microsoft.com/office/drawing/2010/main" val="0"/>
               </a:ext>
               <a:ext uri="{96DAC541-7B7A-43D3-8B79-37D633B846F1}">
-                <asvg:svgBlip xmlns:asvg="http://schemas.microsoft.com/office/drawing/2016/SVG/main" xmlns="" r:embed="rId9"/>
+                <asvg:svgBlip xmlns="" xmlns:asvg="http://schemas.microsoft.com/office/drawing/2016/SVG/main" r:embed="rId9"/>
               </a:ext>
             </a:extLst>
           </a:blip>
@@ -5795,7 +5781,7 @@
           <p:cNvPr id="17" name="標題 1">
             <a:extLst>
               <a:ext uri="{FF2B5EF4-FFF2-40B4-BE49-F238E27FC236}">
-                <a16:creationId xmlns:a16="http://schemas.microsoft.com/office/drawing/2014/main" xmlns="" id="{007D90BC-F19E-43F7-9794-C61F5F89DCEE}"/>
+                <a16:creationId xmlns="" xmlns:a16="http://schemas.microsoft.com/office/drawing/2014/main" id="{007D90BC-F19E-43F7-9794-C61F5F89DCEE}"/>
               </a:ext>
             </a:extLst>
           </p:cNvPr>
@@ -5861,7 +5847,7 @@
           <p:cNvPr id="18" name="內容版面配置區 3">
             <a:extLst>
               <a:ext uri="{FF2B5EF4-FFF2-40B4-BE49-F238E27FC236}">
-                <a16:creationId xmlns:a16="http://schemas.microsoft.com/office/drawing/2014/main" xmlns="" id="{F4811971-4AE6-49C6-A0C8-2138B772BA0A}"/>
+                <a16:creationId xmlns="" xmlns:a16="http://schemas.microsoft.com/office/drawing/2014/main" id="{F4811971-4AE6-49C6-A0C8-2138B772BA0A}"/>
               </a:ext>
             </a:extLst>
           </p:cNvPr>
@@ -5932,7 +5918,7 @@
                 <a14:useLocalDpi xmlns:a14="http://schemas.microsoft.com/office/drawing/2010/main" val="0"/>
               </a:ext>
               <a:ext uri="{96DAC541-7B7A-43D3-8B79-37D633B846F1}">
-                <asvg:svgBlip xmlns:asvg="http://schemas.microsoft.com/office/drawing/2016/SVG/main" xmlns="" r:embed="rId7"/>
+                <asvg:svgBlip xmlns="" xmlns:asvg="http://schemas.microsoft.com/office/drawing/2016/SVG/main" r:embed="rId7"/>
               </a:ext>
             </a:extLst>
           </a:blip>
@@ -5956,7 +5942,7 @@
           <p:cNvPr id="20" name="標題 1">
             <a:extLst>
               <a:ext uri="{FF2B5EF4-FFF2-40B4-BE49-F238E27FC236}">
-                <a16:creationId xmlns:a16="http://schemas.microsoft.com/office/drawing/2014/main" xmlns="" id="{82543704-9A6C-4325-9FED-43E6AB94C07D}"/>
+                <a16:creationId xmlns="" xmlns:a16="http://schemas.microsoft.com/office/drawing/2014/main" id="{82543704-9A6C-4325-9FED-43E6AB94C07D}"/>
               </a:ext>
             </a:extLst>
           </p:cNvPr>
@@ -6013,7 +5999,7 @@
           <p:cNvPr id="22" name="文字方塊 21">
             <a:extLst>
               <a:ext uri="{FF2B5EF4-FFF2-40B4-BE49-F238E27FC236}">
-                <a16:creationId xmlns:a16="http://schemas.microsoft.com/office/drawing/2014/main" xmlns="" id="{3EDDD16E-C4CF-47A3-B074-AD6C74B24B3B}"/>
+                <a16:creationId xmlns="" xmlns:a16="http://schemas.microsoft.com/office/drawing/2014/main" id="{3EDDD16E-C4CF-47A3-B074-AD6C74B24B3B}"/>
               </a:ext>
             </a:extLst>
           </p:cNvPr>
@@ -6080,7 +6066,7 @@
           <p:cNvPr id="23" name="Picture 2">
             <a:extLst>
               <a:ext uri="{FF2B5EF4-FFF2-40B4-BE49-F238E27FC236}">
-                <a16:creationId xmlns:a16="http://schemas.microsoft.com/office/drawing/2014/main" xmlns="" id="{EA1C3F6A-2AE2-46C3-B944-543550060E12}"/>
+                <a16:creationId xmlns="" xmlns:a16="http://schemas.microsoft.com/office/drawing/2014/main" id="{EA1C3F6A-2AE2-46C3-B944-543550060E12}"/>
               </a:ext>
             </a:extLst>
           </p:cNvPr>
@@ -6096,7 +6082,7 @@
                 <a14:useLocalDpi xmlns:a14="http://schemas.microsoft.com/office/drawing/2010/main" val="0"/>
               </a:ext>
               <a:ext uri="{96DAC541-7B7A-43D3-8B79-37D633B846F1}">
-                <asvg:svgBlip xmlns:asvg="http://schemas.microsoft.com/office/drawing/2016/SVG/main" xmlns="" r:embed="rId9"/>
+                <asvg:svgBlip xmlns="" xmlns:asvg="http://schemas.microsoft.com/office/drawing/2016/SVG/main" r:embed="rId9"/>
               </a:ext>
             </a:extLst>
           </a:blip>
@@ -6155,7 +6141,7 @@
                 <a14:useLocalDpi xmlns:a14="http://schemas.microsoft.com/office/drawing/2010/main" val="0"/>
               </a:ext>
               <a:ext uri="{96DAC541-7B7A-43D3-8B79-37D633B846F1}">
-                <asvg:svgBlip xmlns:asvg="http://schemas.microsoft.com/office/drawing/2016/SVG/main" xmlns="" r:embed="rId3"/>
+                <asvg:svgBlip xmlns="" xmlns:asvg="http://schemas.microsoft.com/office/drawing/2016/SVG/main" r:embed="rId3"/>
               </a:ext>
             </a:extLst>
           </a:blip>
@@ -6189,7 +6175,7 @@
                 <a14:useLocalDpi xmlns:a14="http://schemas.microsoft.com/office/drawing/2010/main" val="0"/>
               </a:ext>
               <a:ext uri="{96DAC541-7B7A-43D3-8B79-37D633B846F1}">
-                <asvg:svgBlip xmlns:asvg="http://schemas.microsoft.com/office/drawing/2016/SVG/main" xmlns="" r:embed="rId5"/>
+                <asvg:svgBlip xmlns="" xmlns:asvg="http://schemas.microsoft.com/office/drawing/2016/SVG/main" r:embed="rId5"/>
               </a:ext>
             </a:extLst>
           </a:blip>
@@ -6297,7 +6283,7 @@
                 <a14:useLocalDpi xmlns:a14="http://schemas.microsoft.com/office/drawing/2010/main" val="0"/>
               </a:ext>
               <a:ext uri="{96DAC541-7B7A-43D3-8B79-37D633B846F1}">
-                <asvg:svgBlip xmlns:asvg="http://schemas.microsoft.com/office/drawing/2016/SVG/main" xmlns="" r:embed="rId7"/>
+                <asvg:svgBlip xmlns="" xmlns:asvg="http://schemas.microsoft.com/office/drawing/2016/SVG/main" r:embed="rId7"/>
               </a:ext>
             </a:extLst>
           </a:blip>
@@ -6477,7 +6463,7 @@
                 <a14:useLocalDpi xmlns:a14="http://schemas.microsoft.com/office/drawing/2010/main" val="0"/>
               </a:ext>
               <a:ext uri="{96DAC541-7B7A-43D3-8B79-37D633B846F1}">
-                <asvg:svgBlip xmlns:asvg="http://schemas.microsoft.com/office/drawing/2016/SVG/main" xmlns="" r:embed="rId10"/>
+                <asvg:svgBlip xmlns="" xmlns:asvg="http://schemas.microsoft.com/office/drawing/2016/SVG/main" r:embed="rId10"/>
               </a:ext>
             </a:extLst>
           </a:blip>
@@ -6501,7 +6487,7 @@
           <p:cNvPr id="16" name="文字方塊 15">
             <a:extLst>
               <a:ext uri="{FF2B5EF4-FFF2-40B4-BE49-F238E27FC236}">
-                <a16:creationId xmlns:a16="http://schemas.microsoft.com/office/drawing/2014/main" xmlns="" id="{760485E6-C1FE-44DC-A414-3C42B0EFF355}"/>
+                <a16:creationId xmlns="" xmlns:a16="http://schemas.microsoft.com/office/drawing/2014/main" id="{760485E6-C1FE-44DC-A414-3C42B0EFF355}"/>
               </a:ext>
             </a:extLst>
           </p:cNvPr>
@@ -6595,7 +6581,7 @@
                 <a14:useLocalDpi xmlns:a14="http://schemas.microsoft.com/office/drawing/2010/main" val="0"/>
               </a:ext>
               <a:ext uri="{96DAC541-7B7A-43D3-8B79-37D633B846F1}">
-                <asvg:svgBlip xmlns:asvg="http://schemas.microsoft.com/office/drawing/2016/SVG/main" xmlns="" r:embed="rId5"/>
+                <asvg:svgBlip xmlns="" xmlns:asvg="http://schemas.microsoft.com/office/drawing/2016/SVG/main" r:embed="rId5"/>
               </a:ext>
             </a:extLst>
           </a:blip>
@@ -6629,7 +6615,7 @@
                 <a14:useLocalDpi xmlns:a14="http://schemas.microsoft.com/office/drawing/2010/main" val="0"/>
               </a:ext>
               <a:ext uri="{96DAC541-7B7A-43D3-8B79-37D633B846F1}">
-                <asvg:svgBlip xmlns:asvg="http://schemas.microsoft.com/office/drawing/2016/SVG/main" xmlns="" r:embed="rId7"/>
+                <asvg:svgBlip xmlns="" xmlns:asvg="http://schemas.microsoft.com/office/drawing/2016/SVG/main" r:embed="rId7"/>
               </a:ext>
             </a:extLst>
           </a:blip>
@@ -6675,6 +6661,26 @@
               </a:lnSpc>
             </a:pPr>
             <a:r>
+              <a:rPr lang="zh-TW" altLang="en-US" sz="7200" b="1" dirty="0">
+                <a:solidFill>
+                  <a:srgbClr val="25364E"/>
+                </a:solidFill>
+                <a:latin typeface="微軟正黑體" panose="020B0604030504040204" pitchFamily="34" charset="-120"/>
+                <a:ea typeface="微軟正黑體" panose="020B0604030504040204" pitchFamily="34" charset="-120"/>
+              </a:rPr>
+              <a:t>什</a:t>
+            </a:r>
+            <a:r>
+              <a:rPr lang="zh-TW" altLang="en-US" sz="7200" b="1" u="none" dirty="0" smtClean="0">
+                <a:solidFill>
+                  <a:srgbClr val="25364E"/>
+                </a:solidFill>
+                <a:latin typeface="微軟正黑體" panose="020B0604030504040204" pitchFamily="34" charset="-120"/>
+                <a:ea typeface="微軟正黑體" panose="020B0604030504040204" pitchFamily="34" charset="-120"/>
+              </a:rPr>
+              <a:t>麼</a:t>
+            </a:r>
+            <a:r>
               <a:rPr lang="zh-TW" altLang="en-US" sz="7200" b="1" u="none" dirty="0">
                 <a:solidFill>
                   <a:srgbClr val="25364E"/>
@@ -6682,7 +6688,7 @@
                 <a:latin typeface="微軟正黑體" panose="020B0604030504040204" pitchFamily="34" charset="-120"/>
                 <a:ea typeface="微軟正黑體" panose="020B0604030504040204" pitchFamily="34" charset="-120"/>
               </a:rPr>
-              <a:t>甚麼是</a:t>
+              <a:t>是</a:t>
             </a:r>
             <a:r>
               <a:rPr lang="en-US" altLang="zh-TW" sz="7200" b="1" u="none" dirty="0">
@@ -6709,7 +6715,7 @@
           <p:cNvPr id="14" name="文字方塊 13">
             <a:extLst>
               <a:ext uri="{FF2B5EF4-FFF2-40B4-BE49-F238E27FC236}">
-                <a16:creationId xmlns:a16="http://schemas.microsoft.com/office/drawing/2014/main" xmlns="" id="{F807DCD4-C13B-4ED8-B0A5-3B89452D72FA}"/>
+                <a16:creationId xmlns="" xmlns:a16="http://schemas.microsoft.com/office/drawing/2014/main" id="{F807DCD4-C13B-4ED8-B0A5-3B89452D72FA}"/>
               </a:ext>
             </a:extLst>
           </p:cNvPr>
@@ -6864,7 +6870,7 @@
           <p:cNvPr id="16" name="Picture 5">
             <a:extLst>
               <a:ext uri="{FF2B5EF4-FFF2-40B4-BE49-F238E27FC236}">
-                <a16:creationId xmlns:a16="http://schemas.microsoft.com/office/drawing/2014/main" xmlns="" id="{7129FB2D-FD38-4030-B1C3-E7BE4586F77F}"/>
+                <a16:creationId xmlns="" xmlns:a16="http://schemas.microsoft.com/office/drawing/2014/main" id="{7129FB2D-FD38-4030-B1C3-E7BE4586F77F}"/>
               </a:ext>
             </a:extLst>
           </p:cNvPr>
@@ -6880,7 +6886,7 @@
                 <a14:useLocalDpi xmlns:a14="http://schemas.microsoft.com/office/drawing/2010/main" val="0"/>
               </a:ext>
               <a:ext uri="{96DAC541-7B7A-43D3-8B79-37D633B846F1}">
-                <asvg:svgBlip xmlns:asvg="http://schemas.microsoft.com/office/drawing/2016/SVG/main" xmlns="" r:embed="rId11"/>
+                <asvg:svgBlip xmlns="" xmlns:asvg="http://schemas.microsoft.com/office/drawing/2016/SVG/main" r:embed="rId11"/>
               </a:ext>
             </a:extLst>
           </a:blip>
@@ -6939,7 +6945,7 @@
                 <a14:useLocalDpi xmlns:a14="http://schemas.microsoft.com/office/drawing/2010/main" val="0"/>
               </a:ext>
               <a:ext uri="{96DAC541-7B7A-43D3-8B79-37D633B846F1}">
-                <asvg:svgBlip xmlns:asvg="http://schemas.microsoft.com/office/drawing/2016/SVG/main" xmlns="" r:embed="rId5"/>
+                <asvg:svgBlip xmlns="" xmlns:asvg="http://schemas.microsoft.com/office/drawing/2016/SVG/main" r:embed="rId5"/>
               </a:ext>
             </a:extLst>
           </a:blip>
@@ -6973,7 +6979,7 @@
                 <a14:useLocalDpi xmlns:a14="http://schemas.microsoft.com/office/drawing/2010/main" val="0"/>
               </a:ext>
               <a:ext uri="{96DAC541-7B7A-43D3-8B79-37D633B846F1}">
-                <asvg:svgBlip xmlns:asvg="http://schemas.microsoft.com/office/drawing/2016/SVG/main" xmlns="" r:embed="rId11"/>
+                <asvg:svgBlip xmlns="" xmlns:asvg="http://schemas.microsoft.com/office/drawing/2016/SVG/main" r:embed="rId11"/>
               </a:ext>
             </a:extLst>
           </a:blip>
@@ -7047,7 +7053,7 @@
           <p:cNvPr id="13" name="圖片 12">
             <a:extLst>
               <a:ext uri="{FF2B5EF4-FFF2-40B4-BE49-F238E27FC236}">
-                <a16:creationId xmlns:a16="http://schemas.microsoft.com/office/drawing/2014/main" xmlns="" id="{A77BABBC-E496-4BAE-B9E1-92C4231BA751}"/>
+                <a16:creationId xmlns="" xmlns:a16="http://schemas.microsoft.com/office/drawing/2014/main" id="{A77BABBC-E496-4BAE-B9E1-92C4231BA751}"/>
               </a:ext>
             </a:extLst>
           </p:cNvPr>
@@ -7064,8 +7070,8 @@
         </p:blipFill>
         <p:spPr>
           <a:xfrm>
-            <a:off x="3884826" y="3360001"/>
-            <a:ext cx="10573121" cy="6275318"/>
+            <a:off x="3581400" y="3311908"/>
+            <a:ext cx="11278974" cy="6694253"/>
           </a:xfrm>
           <a:prstGeom prst="rect">
             <a:avLst/>
@@ -7077,7 +7083,7 @@
           <p:cNvPr id="14" name="文字方塊 13">
             <a:extLst>
               <a:ext uri="{FF2B5EF4-FFF2-40B4-BE49-F238E27FC236}">
-                <a16:creationId xmlns:a16="http://schemas.microsoft.com/office/drawing/2014/main" xmlns="" id="{3B71C23F-AD8B-45EB-BE88-459954627A81}"/>
+                <a16:creationId xmlns="" xmlns:a16="http://schemas.microsoft.com/office/drawing/2014/main" id="{3B71C23F-AD8B-45EB-BE88-459954627A81}"/>
               </a:ext>
             </a:extLst>
           </p:cNvPr>
@@ -7190,7 +7196,7 @@
                 <a14:useLocalDpi xmlns:a14="http://schemas.microsoft.com/office/drawing/2010/main" val="0"/>
               </a:ext>
               <a:ext uri="{96DAC541-7B7A-43D3-8B79-37D633B846F1}">
-                <asvg:svgBlip xmlns:asvg="http://schemas.microsoft.com/office/drawing/2016/SVG/main" xmlns="" r:embed="rId3"/>
+                <asvg:svgBlip xmlns="" xmlns:asvg="http://schemas.microsoft.com/office/drawing/2016/SVG/main" r:embed="rId3"/>
               </a:ext>
             </a:extLst>
           </a:blip>
@@ -7224,7 +7230,7 @@
                 <a14:useLocalDpi xmlns:a14="http://schemas.microsoft.com/office/drawing/2010/main" val="0"/>
               </a:ext>
               <a:ext uri="{96DAC541-7B7A-43D3-8B79-37D633B846F1}">
-                <asvg:svgBlip xmlns:asvg="http://schemas.microsoft.com/office/drawing/2016/SVG/main" xmlns="" r:embed="rId5"/>
+                <asvg:svgBlip xmlns="" xmlns:asvg="http://schemas.microsoft.com/office/drawing/2016/SVG/main" r:embed="rId5"/>
               </a:ext>
             </a:extLst>
           </a:blip>
@@ -7307,7 +7313,7 @@
           <p:cNvPr id="26" name="文字方塊 25">
             <a:extLst>
               <a:ext uri="{FF2B5EF4-FFF2-40B4-BE49-F238E27FC236}">
-                <a16:creationId xmlns:a16="http://schemas.microsoft.com/office/drawing/2014/main" xmlns="" id="{92DC7924-C771-42ED-B3BA-521D3DC69123}"/>
+                <a16:creationId xmlns="" xmlns:a16="http://schemas.microsoft.com/office/drawing/2014/main" id="{92DC7924-C771-42ED-B3BA-521D3DC69123}"/>
               </a:ext>
             </a:extLst>
           </p:cNvPr>
@@ -7316,8 +7322,8 @@
         </p:nvSpPr>
         <p:spPr>
           <a:xfrm>
-            <a:off x="5979763" y="4039873"/>
-            <a:ext cx="6328472" cy="3416320"/>
+            <a:off x="5979763" y="3695700"/>
+            <a:ext cx="6328472" cy="3970318"/>
           </a:xfrm>
           <a:prstGeom prst="rect">
             <a:avLst/>
@@ -7332,11 +7338,38 @@
           <a:p>
             <a:pPr algn="ctr"/>
             <a:r>
+              <a:rPr lang="zh-TW" altLang="en-US" sz="3600" dirty="0" smtClean="0">
+                <a:latin typeface="微軟正黑體" panose="020B0604030504040204" pitchFamily="34" charset="-120"/>
+                <a:ea typeface="微軟正黑體" panose="020B0604030504040204" pitchFamily="34" charset="-120"/>
+              </a:rPr>
+              <a:t>幫值取一個名字</a:t>
+            </a:r>
+            <a:r>
+              <a:rPr lang="en-US" altLang="zh-TW" sz="3600" dirty="0" smtClean="0">
+                <a:latin typeface="微軟正黑體" panose="020B0604030504040204" pitchFamily="34" charset="-120"/>
+                <a:ea typeface="微軟正黑體" panose="020B0604030504040204" pitchFamily="34" charset="-120"/>
+              </a:rPr>
+              <a:t/>
+            </a:r>
+            <a:br>
+              <a:rPr lang="en-US" altLang="zh-TW" sz="3600" dirty="0" smtClean="0">
+                <a:latin typeface="微軟正黑體" panose="020B0604030504040204" pitchFamily="34" charset="-120"/>
+                <a:ea typeface="微軟正黑體" panose="020B0604030504040204" pitchFamily="34" charset="-120"/>
+              </a:rPr>
+            </a:br>
+            <a:r>
+              <a:rPr lang="zh-TW" altLang="en-US" sz="3600" dirty="0" smtClean="0">
+                <a:latin typeface="微軟正黑體" panose="020B0604030504040204" pitchFamily="34" charset="-120"/>
+                <a:ea typeface="微軟正黑體" panose="020B0604030504040204" pitchFamily="34" charset="-120"/>
+              </a:rPr>
+              <a:t>於</a:t>
+            </a:r>
+            <a:r>
               <a:rPr lang="zh-TW" altLang="en-US" sz="3600" dirty="0">
                 <a:latin typeface="微軟正黑體" panose="020B0604030504040204" pitchFamily="34" charset="-120"/>
                 <a:ea typeface="微軟正黑體" panose="020B0604030504040204" pitchFamily="34" charset="-120"/>
               </a:rPr>
-              <a:t>於字串前面加一個 </a:t>
+              <a:t>字串前面加一個 </a:t>
             </a:r>
             <a:r>
               <a:rPr lang="en-US" altLang="zh-TW" sz="3600" dirty="0">
@@ -7478,7 +7511,7 @@
                 <a14:useLocalDpi xmlns:a14="http://schemas.microsoft.com/office/drawing/2010/main" val="0"/>
               </a:ext>
               <a:ext uri="{96DAC541-7B7A-43D3-8B79-37D633B846F1}">
-                <asvg:svgBlip xmlns:asvg="http://schemas.microsoft.com/office/drawing/2016/SVG/main" xmlns="" r:embed="rId3"/>
+                <asvg:svgBlip xmlns="" xmlns:asvg="http://schemas.microsoft.com/office/drawing/2016/SVG/main" r:embed="rId3"/>
               </a:ext>
             </a:extLst>
           </a:blip>
@@ -7556,7 +7589,7 @@
                 <a14:useLocalDpi xmlns:a14="http://schemas.microsoft.com/office/drawing/2010/main" val="0"/>
               </a:ext>
               <a:ext uri="{96DAC541-7B7A-43D3-8B79-37D633B846F1}">
-                <asvg:svgBlip xmlns:asvg="http://schemas.microsoft.com/office/drawing/2016/SVG/main" xmlns="" r:embed="rId5"/>
+                <asvg:svgBlip xmlns="" xmlns:asvg="http://schemas.microsoft.com/office/drawing/2016/SVG/main" r:embed="rId5"/>
               </a:ext>
             </a:extLst>
           </a:blip>
@@ -7590,7 +7623,7 @@
                 <a14:useLocalDpi xmlns:a14="http://schemas.microsoft.com/office/drawing/2010/main" val="0"/>
               </a:ext>
               <a:ext uri="{96DAC541-7B7A-43D3-8B79-37D633B846F1}">
-                <asvg:svgBlip xmlns:asvg="http://schemas.microsoft.com/office/drawing/2016/SVG/main" xmlns="" r:embed="rId7"/>
+                <asvg:svgBlip xmlns="" xmlns:asvg="http://schemas.microsoft.com/office/drawing/2016/SVG/main" r:embed="rId7"/>
               </a:ext>
             </a:extLst>
           </a:blip>
@@ -7696,7 +7729,7 @@
           <p:cNvPr id="14" name="標題 1">
             <a:extLst>
               <a:ext uri="{FF2B5EF4-FFF2-40B4-BE49-F238E27FC236}">
-                <a16:creationId xmlns:a16="http://schemas.microsoft.com/office/drawing/2014/main" xmlns="" id="{5B2C9CDC-CC81-44F2-A917-C78FFF5B94BD}"/>
+                <a16:creationId xmlns="" xmlns:a16="http://schemas.microsoft.com/office/drawing/2014/main" id="{5B2C9CDC-CC81-44F2-A917-C78FFF5B94BD}"/>
               </a:ext>
             </a:extLst>
           </p:cNvPr>
@@ -7774,7 +7807,7 @@
           <p:cNvPr id="15" name="圖片 14">
             <a:extLst>
               <a:ext uri="{FF2B5EF4-FFF2-40B4-BE49-F238E27FC236}">
-                <a16:creationId xmlns:a16="http://schemas.microsoft.com/office/drawing/2014/main" xmlns="" id="{1145BFFD-D721-4B57-95B0-E0F46C4457A5}"/>
+                <a16:creationId xmlns="" xmlns:a16="http://schemas.microsoft.com/office/drawing/2014/main" id="{1145BFFD-D721-4B57-95B0-E0F46C4457A5}"/>
               </a:ext>
             </a:extLst>
           </p:cNvPr>
@@ -7804,7 +7837,7 @@
           <p:cNvPr id="16" name="圖片 15">
             <a:extLst>
               <a:ext uri="{FF2B5EF4-FFF2-40B4-BE49-F238E27FC236}">
-                <a16:creationId xmlns:a16="http://schemas.microsoft.com/office/drawing/2014/main" xmlns="" id="{EA0CBC6C-867B-4E7C-9809-FB9523A60999}"/>
+                <a16:creationId xmlns="" xmlns:a16="http://schemas.microsoft.com/office/drawing/2014/main" id="{EA0CBC6C-867B-4E7C-9809-FB9523A60999}"/>
               </a:ext>
             </a:extLst>
           </p:cNvPr>
@@ -7868,7 +7901,7 @@
                 <a14:useLocalDpi xmlns:a14="http://schemas.microsoft.com/office/drawing/2010/main" val="0"/>
               </a:ext>
               <a:ext uri="{96DAC541-7B7A-43D3-8B79-37D633B846F1}">
-                <asvg:svgBlip xmlns:asvg="http://schemas.microsoft.com/office/drawing/2016/SVG/main" xmlns="" r:embed="rId3"/>
+                <asvg:svgBlip xmlns="" xmlns:asvg="http://schemas.microsoft.com/office/drawing/2016/SVG/main" r:embed="rId3"/>
               </a:ext>
             </a:extLst>
           </a:blip>
@@ -7902,7 +7935,7 @@
                 <a14:useLocalDpi xmlns:a14="http://schemas.microsoft.com/office/drawing/2010/main" val="0"/>
               </a:ext>
               <a:ext uri="{96DAC541-7B7A-43D3-8B79-37D633B846F1}">
-                <asvg:svgBlip xmlns:asvg="http://schemas.microsoft.com/office/drawing/2016/SVG/main" xmlns="" r:embed="rId5"/>
+                <asvg:svgBlip xmlns="" xmlns:asvg="http://schemas.microsoft.com/office/drawing/2016/SVG/main" r:embed="rId5"/>
               </a:ext>
             </a:extLst>
           </a:blip>
@@ -7936,7 +7969,7 @@
                 <a14:useLocalDpi xmlns:a14="http://schemas.microsoft.com/office/drawing/2010/main" val="0"/>
               </a:ext>
               <a:ext uri="{96DAC541-7B7A-43D3-8B79-37D633B846F1}">
-                <asvg:svgBlip xmlns:asvg="http://schemas.microsoft.com/office/drawing/2016/SVG/main" xmlns="" r:embed="rId11"/>
+                <asvg:svgBlip xmlns="" xmlns:asvg="http://schemas.microsoft.com/office/drawing/2016/SVG/main" r:embed="rId11"/>
               </a:ext>
             </a:extLst>
           </a:blip>
@@ -7970,7 +8003,7 @@
                 <a14:useLocalDpi xmlns:a14="http://schemas.microsoft.com/office/drawing/2010/main" val="0"/>
               </a:ext>
               <a:ext uri="{96DAC541-7B7A-43D3-8B79-37D633B846F1}">
-                <asvg:svgBlip xmlns:asvg="http://schemas.microsoft.com/office/drawing/2016/SVG/main" xmlns="" r:embed="rId11"/>
+                <asvg:svgBlip xmlns="" xmlns:asvg="http://schemas.microsoft.com/office/drawing/2016/SVG/main" r:embed="rId11"/>
               </a:ext>
             </a:extLst>
           </a:blip>
@@ -8004,7 +8037,7 @@
                 <a14:useLocalDpi xmlns:a14="http://schemas.microsoft.com/office/drawing/2010/main" val="0"/>
               </a:ext>
               <a:ext uri="{96DAC541-7B7A-43D3-8B79-37D633B846F1}">
-                <asvg:svgBlip xmlns:asvg="http://schemas.microsoft.com/office/drawing/2016/SVG/main" xmlns="" r:embed="rId15"/>
+                <asvg:svgBlip xmlns="" xmlns:asvg="http://schemas.microsoft.com/office/drawing/2016/SVG/main" r:embed="rId15"/>
               </a:ext>
             </a:extLst>
           </a:blip>
@@ -8028,7 +8061,7 @@
           <p:cNvPr id="14" name="標題 1">
             <a:extLst>
               <a:ext uri="{FF2B5EF4-FFF2-40B4-BE49-F238E27FC236}">
-                <a16:creationId xmlns:a16="http://schemas.microsoft.com/office/drawing/2014/main" xmlns="" id="{04C2E07C-A399-41ED-B3C9-A6909AE9B4B4}"/>
+                <a16:creationId xmlns="" xmlns:a16="http://schemas.microsoft.com/office/drawing/2014/main" id="{04C2E07C-A399-41ED-B3C9-A6909AE9B4B4}"/>
               </a:ext>
             </a:extLst>
           </p:cNvPr>
@@ -8097,7 +8130,7 @@
           <p:cNvPr id="16" name="文字方塊 15">
             <a:extLst>
               <a:ext uri="{FF2B5EF4-FFF2-40B4-BE49-F238E27FC236}">
-                <a16:creationId xmlns:a16="http://schemas.microsoft.com/office/drawing/2014/main" xmlns="" id="{9E6B87F0-B274-4C5E-BEB2-E62AC55D391F}"/>
+                <a16:creationId xmlns="" xmlns:a16="http://schemas.microsoft.com/office/drawing/2014/main" id="{9E6B87F0-B274-4C5E-BEB2-E62AC55D391F}"/>
               </a:ext>
             </a:extLst>
           </p:cNvPr>
@@ -8221,7 +8254,7 @@
           <p:cNvPr id="24" name="標題 1">
             <a:extLst>
               <a:ext uri="{FF2B5EF4-FFF2-40B4-BE49-F238E27FC236}">
-                <a16:creationId xmlns:a16="http://schemas.microsoft.com/office/drawing/2014/main" xmlns="" id="{43A0531D-17AF-4C40-A41A-C12029FDB7FC}"/>
+                <a16:creationId xmlns="" xmlns:a16="http://schemas.microsoft.com/office/drawing/2014/main" id="{43A0531D-17AF-4C40-A41A-C12029FDB7FC}"/>
               </a:ext>
             </a:extLst>
           </p:cNvPr>
@@ -8290,7 +8323,7 @@
           <p:cNvPr id="25" name="圖片 24">
             <a:extLst>
               <a:ext uri="{FF2B5EF4-FFF2-40B4-BE49-F238E27FC236}">
-                <a16:creationId xmlns:a16="http://schemas.microsoft.com/office/drawing/2014/main" xmlns="" id="{24246A51-BE5A-4EF6-AEFA-F90BBBBEDF64}"/>
+                <a16:creationId xmlns="" xmlns:a16="http://schemas.microsoft.com/office/drawing/2014/main" id="{24246A51-BE5A-4EF6-AEFA-F90BBBBEDF64}"/>
               </a:ext>
             </a:extLst>
           </p:cNvPr>
@@ -8326,7 +8359,7 @@
           <p:cNvPr id="27" name="圖片 26">
             <a:extLst>
               <a:ext uri="{FF2B5EF4-FFF2-40B4-BE49-F238E27FC236}">
-                <a16:creationId xmlns:a16="http://schemas.microsoft.com/office/drawing/2014/main" xmlns="" id="{FF872E66-3B25-4F27-8FFF-E45196352EA8}"/>
+                <a16:creationId xmlns="" xmlns:a16="http://schemas.microsoft.com/office/drawing/2014/main" id="{FF872E66-3B25-4F27-8FFF-E45196352EA8}"/>
               </a:ext>
             </a:extLst>
           </p:cNvPr>
@@ -8362,7 +8395,7 @@
           <p:cNvPr id="28" name="文字方塊 27">
             <a:extLst>
               <a:ext uri="{FF2B5EF4-FFF2-40B4-BE49-F238E27FC236}">
-                <a16:creationId xmlns:a16="http://schemas.microsoft.com/office/drawing/2014/main" xmlns="" id="{97A6302C-EBE6-4935-ADC4-97D9946B8F47}"/>
+                <a16:creationId xmlns="" xmlns:a16="http://schemas.microsoft.com/office/drawing/2014/main" id="{97A6302C-EBE6-4935-ADC4-97D9946B8F47}"/>
               </a:ext>
             </a:extLst>
           </p:cNvPr>
@@ -8400,7 +8433,7 @@
           <p:cNvPr id="29" name="文字方塊 28">
             <a:extLst>
               <a:ext uri="{FF2B5EF4-FFF2-40B4-BE49-F238E27FC236}">
-                <a16:creationId xmlns:a16="http://schemas.microsoft.com/office/drawing/2014/main" xmlns="" id="{734DD1CD-BDD2-44B8-8318-D101159B8292}"/>
+                <a16:creationId xmlns="" xmlns:a16="http://schemas.microsoft.com/office/drawing/2014/main" id="{734DD1CD-BDD2-44B8-8318-D101159B8292}"/>
               </a:ext>
             </a:extLst>
           </p:cNvPr>
@@ -8470,7 +8503,7 @@
           <p:cNvPr id="24" name="標題 1">
             <a:extLst>
               <a:ext uri="{FF2B5EF4-FFF2-40B4-BE49-F238E27FC236}">
-                <a16:creationId xmlns:a16="http://schemas.microsoft.com/office/drawing/2014/main" xmlns="" id="{43A0531D-17AF-4C40-A41A-C12029FDB7FC}"/>
+                <a16:creationId xmlns="" xmlns:a16="http://schemas.microsoft.com/office/drawing/2014/main" id="{43A0531D-17AF-4C40-A41A-C12029FDB7FC}"/>
               </a:ext>
             </a:extLst>
           </p:cNvPr>
@@ -8539,7 +8572,7 @@
           <p:cNvPr id="25" name="圖片 24">
             <a:extLst>
               <a:ext uri="{FF2B5EF4-FFF2-40B4-BE49-F238E27FC236}">
-                <a16:creationId xmlns:a16="http://schemas.microsoft.com/office/drawing/2014/main" xmlns="" id="{24246A51-BE5A-4EF6-AEFA-F90BBBBEDF64}"/>
+                <a16:creationId xmlns="" xmlns:a16="http://schemas.microsoft.com/office/drawing/2014/main" id="{24246A51-BE5A-4EF6-AEFA-F90BBBBEDF64}"/>
               </a:ext>
             </a:extLst>
           </p:cNvPr>
@@ -8575,7 +8608,7 @@
           <p:cNvPr id="27" name="圖片 26">
             <a:extLst>
               <a:ext uri="{FF2B5EF4-FFF2-40B4-BE49-F238E27FC236}">
-                <a16:creationId xmlns:a16="http://schemas.microsoft.com/office/drawing/2014/main" xmlns="" id="{FF872E66-3B25-4F27-8FFF-E45196352EA8}"/>
+                <a16:creationId xmlns="" xmlns:a16="http://schemas.microsoft.com/office/drawing/2014/main" id="{FF872E66-3B25-4F27-8FFF-E45196352EA8}"/>
               </a:ext>
             </a:extLst>
           </p:cNvPr>
@@ -8611,7 +8644,7 @@
           <p:cNvPr id="28" name="文字方塊 27">
             <a:extLst>
               <a:ext uri="{FF2B5EF4-FFF2-40B4-BE49-F238E27FC236}">
-                <a16:creationId xmlns:a16="http://schemas.microsoft.com/office/drawing/2014/main" xmlns="" id="{97A6302C-EBE6-4935-ADC4-97D9946B8F47}"/>
+                <a16:creationId xmlns="" xmlns:a16="http://schemas.microsoft.com/office/drawing/2014/main" id="{97A6302C-EBE6-4935-ADC4-97D9946B8F47}"/>
               </a:ext>
             </a:extLst>
           </p:cNvPr>
@@ -8649,7 +8682,7 @@
           <p:cNvPr id="29" name="文字方塊 28">
             <a:extLst>
               <a:ext uri="{FF2B5EF4-FFF2-40B4-BE49-F238E27FC236}">
-                <a16:creationId xmlns:a16="http://schemas.microsoft.com/office/drawing/2014/main" xmlns="" id="{734DD1CD-BDD2-44B8-8318-D101159B8292}"/>
+                <a16:creationId xmlns="" xmlns:a16="http://schemas.microsoft.com/office/drawing/2014/main" id="{734DD1CD-BDD2-44B8-8318-D101159B8292}"/>
               </a:ext>
             </a:extLst>
           </p:cNvPr>
